--- a/presentations/06 - Qualidade de codigo - Encapsulamento.pptx
+++ b/presentations/06 - Qualidade de codigo - Encapsulamento.pptx
@@ -230,7 +230,7 @@
             <a:fld id="{9DEF996C-CA2C-436E-A903-7F2E7C68ADF8}" type="datetimeFigureOut">
               <a:rPr lang="en-US" smtClean="0"/>
               <a:pPr/>
-              <a:t>7/7/2020</a:t>
+              <a:t>7/15/2020</a:t>
             </a:fld>
             <a:endParaRPr lang="en-US"/>
           </a:p>
@@ -397,7 +397,7 @@
             <a:fld id="{56D6514A-F4CA-40F5-B508-6CC5FEA6DD64}" type="datetimeFigureOut">
               <a:rPr lang="en-US" smtClean="0"/>
               <a:pPr/>
-              <a:t>7/7/2020</a:t>
+              <a:t>7/15/2020</a:t>
             </a:fld>
             <a:endParaRPr lang="en-US"/>
           </a:p>
@@ -668,6 +668,103 @@
 </p:notesMaster>
 </file>
 
+<file path=ppt/notesSlides/notesSlide1.xml><?xml version="1.0" encoding="utf-8"?>
+<p:notes xmlns:a="http://schemas.openxmlformats.org/drawingml/2006/main" xmlns:r="http://schemas.openxmlformats.org/officeDocument/2006/relationships" xmlns:p="http://schemas.openxmlformats.org/presentationml/2006/main">
+  <p:cSld>
+    <p:spTree>
+      <p:nvGrpSpPr>
+        <p:cNvPr id="1" name=""/>
+        <p:cNvGrpSpPr/>
+        <p:nvPr/>
+      </p:nvGrpSpPr>
+      <p:grpSpPr>
+        <a:xfrm>
+          <a:off x="0" y="0"/>
+          <a:ext cx="0" cy="0"/>
+          <a:chOff x="0" y="0"/>
+          <a:chExt cx="0" cy="0"/>
+        </a:xfrm>
+      </p:grpSpPr>
+      <p:sp>
+        <p:nvSpPr>
+          <p:cNvPr id="2" name="Slide Image Placeholder 1"/>
+          <p:cNvSpPr>
+            <a:spLocks noGrp="1" noRot="1" noChangeAspect="1"/>
+          </p:cNvSpPr>
+          <p:nvPr>
+            <p:ph type="sldImg"/>
+          </p:nvPr>
+        </p:nvSpPr>
+        <p:spPr/>
+      </p:sp>
+      <p:sp>
+        <p:nvSpPr>
+          <p:cNvPr id="3" name="Notes Placeholder 2"/>
+          <p:cNvSpPr>
+            <a:spLocks noGrp="1"/>
+          </p:cNvSpPr>
+          <p:nvPr>
+            <p:ph type="body" idx="1"/>
+          </p:nvPr>
+        </p:nvSpPr>
+        <p:spPr/>
+        <p:txBody>
+          <a:bodyPr/>
+          <a:lstStyle/>
+          <a:p>
+            <a:r>
+              <a:rPr lang="pt-BR" sz="1200" b="0" i="0" kern="1200" dirty="0">
+                <a:solidFill>
+                  <a:schemeClr val="tx1"/>
+                </a:solidFill>
+                <a:effectLst/>
+                <a:latin typeface="+mn-lt"/>
+                <a:ea typeface="+mn-ea"/>
+                <a:cs typeface="+mn-cs"/>
+              </a:rPr>
+              <a:t>A implementação em si, o conteúdo dos métodos, não tem tanta importância para o usuário dessa classe, uma vez que ele só precisa saber o que cada método pretende fazer, e não como ele faz, pois isto pode mudar com o tempo</a:t>
+            </a:r>
+            <a:endParaRPr lang="pt-BR" dirty="0"/>
+          </a:p>
+        </p:txBody>
+      </p:sp>
+      <p:sp>
+        <p:nvSpPr>
+          <p:cNvPr id="4" name="Slide Number Placeholder 3"/>
+          <p:cNvSpPr>
+            <a:spLocks noGrp="1"/>
+          </p:cNvSpPr>
+          <p:nvPr>
+            <p:ph type="sldNum" sz="quarter" idx="5"/>
+          </p:nvPr>
+        </p:nvSpPr>
+        <p:spPr/>
+        <p:txBody>
+          <a:bodyPr/>
+          <a:lstStyle/>
+          <a:p>
+            <a:fld id="{CE2B8404-7DFF-4128-BBDB-E2DC0C77B126}" type="slidenum">
+              <a:rPr lang="en-US" smtClean="0"/>
+              <a:pPr/>
+              <a:t>5</a:t>
+            </a:fld>
+            <a:endParaRPr lang="en-US"/>
+          </a:p>
+        </p:txBody>
+      </p:sp>
+    </p:spTree>
+    <p:extLst>
+      <p:ext uri="{BB962C8B-B14F-4D97-AF65-F5344CB8AC3E}">
+        <p14:creationId xmlns:p14="http://schemas.microsoft.com/office/powerpoint/2010/main" val="1643460910"/>
+      </p:ext>
+    </p:extLst>
+  </p:cSld>
+  <p:clrMapOvr>
+    <a:masterClrMapping/>
+  </p:clrMapOvr>
+</p:notes>
+</file>
+
 <file path=ppt/slideLayouts/slideLayout1.xml><?xml version="1.0" encoding="utf-8"?>
 <p:sldLayout xmlns:a="http://schemas.openxmlformats.org/drawingml/2006/main" xmlns:r="http://schemas.openxmlformats.org/officeDocument/2006/relationships" xmlns:p="http://schemas.openxmlformats.org/presentationml/2006/main" type="title" preserve="1">
   <p:cSld name="Title Slide">
@@ -857,7 +954,7 @@
           <a:p>
             <a:fld id="{0A0255A0-EE2B-6E49-A611-C16850102233}" type="datetimeFigureOut">
               <a:rPr lang="en-US" smtClean="0"/>
-              <a:t>7/7/2020</a:t>
+              <a:t>7/15/2020</a:t>
             </a:fld>
             <a:endParaRPr lang="en-US"/>
           </a:p>
@@ -1051,7 +1148,7 @@
           <a:p>
             <a:fld id="{0A0255A0-EE2B-6E49-A611-C16850102233}" type="datetimeFigureOut">
               <a:rPr lang="en-US" smtClean="0"/>
-              <a:t>7/7/2020</a:t>
+              <a:t>7/15/2020</a:t>
             </a:fld>
             <a:endParaRPr lang="en-US"/>
           </a:p>
@@ -1255,7 +1352,7 @@
           <a:p>
             <a:fld id="{0A0255A0-EE2B-6E49-A611-C16850102233}" type="datetimeFigureOut">
               <a:rPr lang="en-US" smtClean="0"/>
-              <a:t>7/7/2020</a:t>
+              <a:t>7/15/2020</a:t>
             </a:fld>
             <a:endParaRPr lang="en-US"/>
           </a:p>
@@ -3261,7 +3358,7 @@
           <a:p>
             <a:fld id="{0A0255A0-EE2B-6E49-A611-C16850102233}" type="datetimeFigureOut">
               <a:rPr lang="en-US" smtClean="0"/>
-              <a:t>7/7/2020</a:t>
+              <a:t>7/15/2020</a:t>
             </a:fld>
             <a:endParaRPr lang="en-US"/>
           </a:p>
@@ -3531,7 +3628,7 @@
           <a:p>
             <a:fld id="{0A0255A0-EE2B-6E49-A611-C16850102233}" type="datetimeFigureOut">
               <a:rPr lang="en-US" smtClean="0"/>
-              <a:t>7/7/2020</a:t>
+              <a:t>7/15/2020</a:t>
             </a:fld>
             <a:endParaRPr lang="en-US"/>
           </a:p>
@@ -3843,7 +3940,7 @@
           <a:p>
             <a:fld id="{0A0255A0-EE2B-6E49-A611-C16850102233}" type="datetimeFigureOut">
               <a:rPr lang="en-US" smtClean="0"/>
-              <a:t>7/7/2020</a:t>
+              <a:t>7/15/2020</a:t>
             </a:fld>
             <a:endParaRPr lang="en-US"/>
           </a:p>
@@ -4289,7 +4386,7 @@
           <a:p>
             <a:fld id="{0A0255A0-EE2B-6E49-A611-C16850102233}" type="datetimeFigureOut">
               <a:rPr lang="en-US" smtClean="0"/>
-              <a:t>7/7/2020</a:t>
+              <a:t>7/15/2020</a:t>
             </a:fld>
             <a:endParaRPr lang="en-US"/>
           </a:p>
@@ -4431,7 +4528,7 @@
           <a:p>
             <a:fld id="{0A0255A0-EE2B-6E49-A611-C16850102233}" type="datetimeFigureOut">
               <a:rPr lang="en-US" smtClean="0"/>
-              <a:t>7/7/2020</a:t>
+              <a:t>7/15/2020</a:t>
             </a:fld>
             <a:endParaRPr lang="en-US"/>
           </a:p>
@@ -4550,7 +4647,7 @@
           <a:p>
             <a:fld id="{0A0255A0-EE2B-6E49-A611-C16850102233}" type="datetimeFigureOut">
               <a:rPr lang="en-US" smtClean="0"/>
-              <a:t>7/7/2020</a:t>
+              <a:t>7/15/2020</a:t>
             </a:fld>
             <a:endParaRPr lang="en-US"/>
           </a:p>
@@ -4851,7 +4948,7 @@
           <a:p>
             <a:fld id="{0A0255A0-EE2B-6E49-A611-C16850102233}" type="datetimeFigureOut">
               <a:rPr lang="en-US" smtClean="0"/>
-              <a:t>7/7/2020</a:t>
+              <a:t>7/15/2020</a:t>
             </a:fld>
             <a:endParaRPr lang="en-US"/>
           </a:p>
@@ -5128,7 +5225,7 @@
           <a:p>
             <a:fld id="{0A0255A0-EE2B-6E49-A611-C16850102233}" type="datetimeFigureOut">
               <a:rPr lang="en-US" smtClean="0"/>
-              <a:t>7/7/2020</a:t>
+              <a:t>7/15/2020</a:t>
             </a:fld>
             <a:endParaRPr lang="en-US"/>
           </a:p>
@@ -6557,23 +6654,7 @@
                 <a:latin typeface="Segoe UI" panose="020B0502040204020203" pitchFamily="34" charset="0"/>
                 <a:cs typeface="Segoe UI" panose="020B0502040204020203" pitchFamily="34" charset="0"/>
               </a:rPr>
-              <a:t>prestador-paulo.kolbe@b3.com.br/</a:t>
-            </a:r>
-            <a:br>
-              <a:rPr lang="pt-BR" sz="2000" dirty="0">
-                <a:latin typeface="Segoe UI" panose="020B0502040204020203" pitchFamily="34" charset="0"/>
-                <a:cs typeface="Segoe UI" panose="020B0502040204020203" pitchFamily="34" charset="0"/>
-              </a:rPr>
-            </a:br>
-            <a:r>
-              <a:rPr lang="pt-BR" sz="2000" dirty="0">
-                <a:solidFill>
-                  <a:schemeClr val="accent1"/>
-                </a:solidFill>
-                <a:latin typeface="Segoe UI" panose="020B0502040204020203" pitchFamily="34" charset="0"/>
-                <a:cs typeface="Segoe UI" panose="020B0502040204020203" pitchFamily="34" charset="0"/>
-              </a:rPr>
-              <a:t>paulo.kolbe@gft.com</a:t>
+              <a:t>lace@b3.com.br</a:t>
             </a:r>
           </a:p>
         </p:txBody>
@@ -7005,85 +7086,6 @@
           <a:chExt cx="0" cy="0"/>
         </a:xfrm>
       </p:grpSpPr>
-      <p:sp>
-        <p:nvSpPr>
-          <p:cNvPr id="2" name="Título 1"/>
-          <p:cNvSpPr>
-            <a:spLocks noGrp="1"/>
-          </p:cNvSpPr>
-          <p:nvPr>
-            <p:ph type="title"/>
-          </p:nvPr>
-        </p:nvSpPr>
-        <p:spPr/>
-        <p:txBody>
-          <a:bodyPr/>
-          <a:lstStyle/>
-          <a:p>
-            <a:r>
-              <a:rPr lang="pt-BR" dirty="0">
-                <a:latin typeface="Segoe UI" panose="020B0502040204020203" pitchFamily="34" charset="0"/>
-                <a:cs typeface="Segoe UI" panose="020B0502040204020203" pitchFamily="34" charset="0"/>
-              </a:rPr>
-              <a:t>QUALIDADE DE CÓDIGO – Encapsulamento</a:t>
-            </a:r>
-          </a:p>
-        </p:txBody>
-      </p:sp>
-      <p:sp>
-        <p:nvSpPr>
-          <p:cNvPr id="6" name="Rectangle 5">
-            <a:extLst>
-              <a:ext uri="{FF2B5EF4-FFF2-40B4-BE49-F238E27FC236}">
-                <a16:creationId xmlns:a16="http://schemas.microsoft.com/office/drawing/2014/main" id="{27C43DB8-7D6E-47D7-B589-057A19F6A3D9}"/>
-              </a:ext>
-            </a:extLst>
-          </p:cNvPr>
-          <p:cNvSpPr/>
-          <p:nvPr/>
-        </p:nvSpPr>
-        <p:spPr>
-          <a:xfrm>
-            <a:off x="666430" y="5034415"/>
-            <a:ext cx="10859140" cy="646331"/>
-          </a:xfrm>
-          <a:prstGeom prst="rect">
-            <a:avLst/>
-          </a:prstGeom>
-        </p:spPr>
-        <p:txBody>
-          <a:bodyPr wrap="square">
-            <a:spAutoFit/>
-          </a:bodyPr>
-          <a:lstStyle/>
-          <a:p>
-            <a:pPr algn="ctr"/>
-            <a:r>
-              <a:rPr lang="pt-BR" b="1" dirty="0">
-                <a:solidFill>
-                  <a:srgbClr val="123274"/>
-                </a:solidFill>
-                <a:latin typeface="Segoe UI" panose="020B0502040204020203" pitchFamily="34" charset="0"/>
-                <a:cs typeface="Segoe UI" panose="020B0502040204020203" pitchFamily="34" charset="0"/>
-              </a:rPr>
-              <a:t>Encapsular é esconder os detalhes de como a classe realiza sua tarefa; as outras</a:t>
-            </a:r>
-          </a:p>
-          <a:p>
-            <a:pPr algn="ctr"/>
-            <a:r>
-              <a:rPr lang="pt-BR" b="1" dirty="0">
-                <a:solidFill>
-                  <a:srgbClr val="123274"/>
-                </a:solidFill>
-                <a:latin typeface="Segoe UI" panose="020B0502040204020203" pitchFamily="34" charset="0"/>
-                <a:cs typeface="Segoe UI" panose="020B0502040204020203" pitchFamily="34" charset="0"/>
-              </a:rPr>
-              <a:t>classes devem conhecer apenas o que ela faz</a:t>
-            </a:r>
-          </a:p>
-        </p:txBody>
-      </p:sp>
       <p:pic>
         <p:nvPicPr>
           <p:cNvPr id="11" name="Picture 10" descr="A close up of a sign&#10;&#10;Description automatically generated">
@@ -7130,6 +7132,191 @@
           </a:effectLst>
         </p:spPr>
       </p:pic>
+      <p:pic>
+        <p:nvPicPr>
+          <p:cNvPr id="8" name="Picture 7" descr="A close up of a logo&#10;&#10;Description automatically generated">
+            <a:extLst>
+              <a:ext uri="{FF2B5EF4-FFF2-40B4-BE49-F238E27FC236}">
+                <a16:creationId xmlns:a16="http://schemas.microsoft.com/office/drawing/2014/main" id="{BBC238D9-D077-4379-AB0E-BAE3E18F0778}"/>
+              </a:ext>
+            </a:extLst>
+          </p:cNvPr>
+          <p:cNvPicPr>
+            <a:picLocks noChangeAspect="1"/>
+          </p:cNvPicPr>
+          <p:nvPr/>
+        </p:nvPicPr>
+        <p:blipFill>
+          <a:blip r:embed="rId3" cstate="print">
+            <a:duotone>
+              <a:prstClr val="black"/>
+              <a:schemeClr val="accent4">
+                <a:tint val="45000"/>
+                <a:satMod val="400000"/>
+              </a:schemeClr>
+            </a:duotone>
+            <a:alphaModFix amt="73000"/>
+            <a:extLst>
+              <a:ext uri="{BEBA8EAE-BF5A-486C-A8C5-ECC9F3942E4B}">
+                <a14:imgProps xmlns:a14="http://schemas.microsoft.com/office/drawing/2010/main">
+                  <a14:imgLayer r:embed="rId4">
+                    <a14:imgEffect>
+                      <a14:brightnessContrast bright="40000" contrast="51000"/>
+                    </a14:imgEffect>
+                  </a14:imgLayer>
+                </a14:imgProps>
+              </a:ext>
+              <a:ext uri="{28A0092B-C50C-407E-A947-70E740481C1C}">
+                <a14:useLocalDpi xmlns:a14="http://schemas.microsoft.com/office/drawing/2010/main" val="0"/>
+              </a:ext>
+            </a:extLst>
+          </a:blip>
+          <a:stretch>
+            <a:fillRect/>
+          </a:stretch>
+        </p:blipFill>
+        <p:spPr>
+          <a:xfrm>
+            <a:off x="6556184" y="2574135"/>
+            <a:ext cx="385200" cy="385200"/>
+          </a:xfrm>
+          <a:prstGeom prst="rect">
+            <a:avLst/>
+          </a:prstGeom>
+        </p:spPr>
+      </p:pic>
+      <p:sp>
+        <p:nvSpPr>
+          <p:cNvPr id="2" name="Título 1"/>
+          <p:cNvSpPr>
+            <a:spLocks noGrp="1"/>
+          </p:cNvSpPr>
+          <p:nvPr>
+            <p:ph type="title"/>
+          </p:nvPr>
+        </p:nvSpPr>
+        <p:spPr/>
+        <p:txBody>
+          <a:bodyPr/>
+          <a:lstStyle/>
+          <a:p>
+            <a:r>
+              <a:rPr lang="pt-BR" dirty="0">
+                <a:latin typeface="Segoe UI" panose="020B0502040204020203" pitchFamily="34" charset="0"/>
+                <a:cs typeface="Segoe UI" panose="020B0502040204020203" pitchFamily="34" charset="0"/>
+              </a:rPr>
+              <a:t>QUALIDADE DE CÓDIGO – Encapsulamento</a:t>
+            </a:r>
+          </a:p>
+        </p:txBody>
+      </p:sp>
+      <p:sp>
+        <p:nvSpPr>
+          <p:cNvPr id="6" name="Rectangle 5">
+            <a:extLst>
+              <a:ext uri="{FF2B5EF4-FFF2-40B4-BE49-F238E27FC236}">
+                <a16:creationId xmlns:a16="http://schemas.microsoft.com/office/drawing/2014/main" id="{27C43DB8-7D6E-47D7-B589-057A19F6A3D9}"/>
+              </a:ext>
+            </a:extLst>
+          </p:cNvPr>
+          <p:cNvSpPr/>
+          <p:nvPr/>
+        </p:nvSpPr>
+        <p:spPr>
+          <a:xfrm>
+            <a:off x="666430" y="5034415"/>
+            <a:ext cx="10859140" cy="646331"/>
+          </a:xfrm>
+          <a:prstGeom prst="rect">
+            <a:avLst/>
+          </a:prstGeom>
+        </p:spPr>
+        <p:txBody>
+          <a:bodyPr wrap="square">
+            <a:spAutoFit/>
+          </a:bodyPr>
+          <a:lstStyle/>
+          <a:p>
+            <a:pPr algn="ctr"/>
+            <a:r>
+              <a:rPr lang="pt-BR" b="1" dirty="0">
+                <a:solidFill>
+                  <a:srgbClr val="123274"/>
+                </a:solidFill>
+                <a:latin typeface="Segoe UI" panose="020B0502040204020203" pitchFamily="34" charset="0"/>
+                <a:cs typeface="Segoe UI" panose="020B0502040204020203" pitchFamily="34" charset="0"/>
+              </a:rPr>
+              <a:t>Encapsular é esconder os detalhes de como a classe realiza sua tarefa; as outras</a:t>
+            </a:r>
+          </a:p>
+          <a:p>
+            <a:pPr algn="ctr"/>
+            <a:r>
+              <a:rPr lang="pt-BR" b="1" dirty="0">
+                <a:solidFill>
+                  <a:srgbClr val="123274"/>
+                </a:solidFill>
+                <a:latin typeface="Segoe UI" panose="020B0502040204020203" pitchFamily="34" charset="0"/>
+                <a:cs typeface="Segoe UI" panose="020B0502040204020203" pitchFamily="34" charset="0"/>
+              </a:rPr>
+              <a:t>classes devem conhecer apenas o que ela faz</a:t>
+            </a:r>
+          </a:p>
+        </p:txBody>
+      </p:sp>
+      <p:sp>
+        <p:nvSpPr>
+          <p:cNvPr id="5" name="Rectangle: Rounded Corners 4">
+            <a:extLst>
+              <a:ext uri="{FF2B5EF4-FFF2-40B4-BE49-F238E27FC236}">
+                <a16:creationId xmlns:a16="http://schemas.microsoft.com/office/drawing/2014/main" id="{9E5EE9D5-A124-4A44-B1C8-6CDB92881DA3}"/>
+              </a:ext>
+            </a:extLst>
+          </p:cNvPr>
+          <p:cNvSpPr/>
+          <p:nvPr/>
+        </p:nvSpPr>
+        <p:spPr>
+          <a:xfrm>
+            <a:off x="6556184" y="2575952"/>
+            <a:ext cx="2708168" cy="392771"/>
+          </a:xfrm>
+          <a:prstGeom prst="roundRect">
+            <a:avLst/>
+          </a:prstGeom>
+          <a:solidFill>
+            <a:srgbClr val="FFFF00">
+              <a:alpha val="30000"/>
+            </a:srgbClr>
+          </a:solidFill>
+          <a:ln>
+            <a:noFill/>
+          </a:ln>
+          <a:effectLst/>
+        </p:spPr>
+        <p:style>
+          <a:lnRef idx="1">
+            <a:schemeClr val="accent1"/>
+          </a:lnRef>
+          <a:fillRef idx="3">
+            <a:schemeClr val="accent1"/>
+          </a:fillRef>
+          <a:effectRef idx="2">
+            <a:schemeClr val="accent1"/>
+          </a:effectRef>
+          <a:fontRef idx="minor">
+            <a:schemeClr val="lt1"/>
+          </a:fontRef>
+        </p:style>
+        <p:txBody>
+          <a:bodyPr rtlCol="0" anchor="ctr"/>
+          <a:lstStyle/>
+          <a:p>
+            <a:pPr algn="ctr"/>
+            <a:endParaRPr lang="pt-BR" dirty="0"/>
+          </a:p>
+        </p:txBody>
+      </p:sp>
     </p:spTree>
     <p:extLst>
       <p:ext uri="{BB962C8B-B14F-4D97-AF65-F5344CB8AC3E}">
@@ -7295,8 +7482,8 @@
         </p:nvSpPr>
         <p:spPr>
           <a:xfrm>
-            <a:off x="7165182" y="1720838"/>
-            <a:ext cx="2913537" cy="3416320"/>
+            <a:off x="6096000" y="2413334"/>
+            <a:ext cx="5023906" cy="2031325"/>
           </a:xfrm>
           <a:prstGeom prst="rect">
             <a:avLst/>
@@ -7443,7 +7630,7 @@
           <p:nvPr/>
         </p:nvPicPr>
         <p:blipFill>
-          <a:blip r:embed="rId2">
+          <a:blip r:embed="rId3">
             <a:extLst>
               <a:ext uri="{28A0092B-C50C-407E-A947-70E740481C1C}">
                 <a14:useLocalDpi xmlns:a14="http://schemas.microsoft.com/office/drawing/2010/main" val="0"/>
@@ -7474,6 +7661,112 @@
           </a:effectLst>
         </p:spPr>
       </p:pic>
+      <p:sp>
+        <p:nvSpPr>
+          <p:cNvPr id="7" name="Rectangle: Rounded Corners 6">
+            <a:extLst>
+              <a:ext uri="{FF2B5EF4-FFF2-40B4-BE49-F238E27FC236}">
+                <a16:creationId xmlns:a16="http://schemas.microsoft.com/office/drawing/2014/main" id="{38D8A615-8DAF-4E24-ABEF-96BD92D3ABEA}"/>
+              </a:ext>
+            </a:extLst>
+          </p:cNvPr>
+          <p:cNvSpPr/>
+          <p:nvPr/>
+        </p:nvSpPr>
+        <p:spPr>
+          <a:xfrm>
+            <a:off x="1271464" y="807609"/>
+            <a:ext cx="3991163" cy="2376264"/>
+          </a:xfrm>
+          <a:prstGeom prst="roundRect">
+            <a:avLst/>
+          </a:prstGeom>
+          <a:solidFill>
+            <a:srgbClr val="FF0000">
+              <a:alpha val="15000"/>
+            </a:srgbClr>
+          </a:solidFill>
+          <a:ln>
+            <a:noFill/>
+          </a:ln>
+          <a:effectLst/>
+        </p:spPr>
+        <p:style>
+          <a:lnRef idx="1">
+            <a:schemeClr val="accent1"/>
+          </a:lnRef>
+          <a:fillRef idx="3">
+            <a:schemeClr val="accent1"/>
+          </a:fillRef>
+          <a:effectRef idx="2">
+            <a:schemeClr val="accent1"/>
+          </a:effectRef>
+          <a:fontRef idx="minor">
+            <a:schemeClr val="lt1"/>
+          </a:fontRef>
+        </p:style>
+        <p:txBody>
+          <a:bodyPr rtlCol="0" anchor="ctr"/>
+          <a:lstStyle/>
+          <a:p>
+            <a:pPr algn="ctr"/>
+            <a:endParaRPr lang="pt-BR" dirty="0"/>
+          </a:p>
+        </p:txBody>
+      </p:sp>
+      <p:sp>
+        <p:nvSpPr>
+          <p:cNvPr id="8" name="Rectangle: Rounded Corners 7">
+            <a:extLst>
+              <a:ext uri="{FF2B5EF4-FFF2-40B4-BE49-F238E27FC236}">
+                <a16:creationId xmlns:a16="http://schemas.microsoft.com/office/drawing/2014/main" id="{8C868F9E-FD2B-4E8F-910E-2A9671D047B2}"/>
+              </a:ext>
+            </a:extLst>
+          </p:cNvPr>
+          <p:cNvSpPr/>
+          <p:nvPr/>
+        </p:nvSpPr>
+        <p:spPr>
+          <a:xfrm>
+            <a:off x="1271463" y="3610057"/>
+            <a:ext cx="3991163" cy="2376258"/>
+          </a:xfrm>
+          <a:prstGeom prst="roundRect">
+            <a:avLst/>
+          </a:prstGeom>
+          <a:solidFill>
+            <a:srgbClr val="00B050">
+              <a:alpha val="15000"/>
+            </a:srgbClr>
+          </a:solidFill>
+          <a:ln>
+            <a:noFill/>
+          </a:ln>
+          <a:effectLst/>
+        </p:spPr>
+        <p:style>
+          <a:lnRef idx="1">
+            <a:schemeClr val="accent1"/>
+          </a:lnRef>
+          <a:fillRef idx="3">
+            <a:schemeClr val="accent1"/>
+          </a:fillRef>
+          <a:effectRef idx="2">
+            <a:schemeClr val="accent1"/>
+          </a:effectRef>
+          <a:fontRef idx="minor">
+            <a:schemeClr val="lt1"/>
+          </a:fontRef>
+        </p:style>
+        <p:txBody>
+          <a:bodyPr rtlCol="0" anchor="ctr"/>
+          <a:lstStyle/>
+          <a:p>
+            <a:pPr algn="ctr"/>
+            <a:endParaRPr lang="pt-BR" dirty="0"/>
+          </a:p>
+        </p:txBody>
+      </p:sp>
     </p:spTree>
     <p:extLst>
       <p:ext uri="{BB962C8B-B14F-4D97-AF65-F5344CB8AC3E}">
@@ -9518,6 +9811,15 @@
 </file>
 
 <file path=customXml/item1.xml><?xml version="1.0" encoding="utf-8"?>
+<p:properties xmlns:p="http://schemas.microsoft.com/office/2006/metadata/properties" xmlns:xsi="http://www.w3.org/2001/XMLSchema-instance" xmlns:pc="http://schemas.microsoft.com/office/infopath/2007/PartnerControls">
+  <documentManagement>
+    <PublishingExpirationDate xmlns="http://schemas.microsoft.com/sharepoint/v3" xsi:nil="true"/>
+    <PublishingStartDate xmlns="http://schemas.microsoft.com/sharepoint/v3" xsi:nil="true"/>
+  </documentManagement>
+</p:properties>
+</file>
+
+<file path=customXml/item2.xml><?xml version="1.0" encoding="utf-8"?>
 <ct:contentTypeSchema xmlns:ct="http://schemas.microsoft.com/office/2006/metadata/contentType" xmlns:ma="http://schemas.microsoft.com/office/2006/metadata/properties/metaAttributes" ct:_="" ma:_="" ma:contentTypeName="Documento" ma:contentTypeID="0x0101001996EFEF7D0459479C2B077F9CC506F4" ma:contentTypeVersion="10" ma:contentTypeDescription="Crie um novo documento." ma:contentTypeScope="" ma:versionID="43cd10b64f265b7dd32059be640333a9">
   <xsd:schema xmlns:xsd="http://www.w3.org/2001/XMLSchema" xmlns:xs="http://www.w3.org/2001/XMLSchema" xmlns:p="http://schemas.microsoft.com/office/2006/metadata/properties" xmlns:ns1="http://schemas.microsoft.com/sharepoint/v3" xmlns:ns2="80facd6c-f04a-426f-adbd-b3840a7840bd" xmlns:ns3="d33496c5-bd94-446e-a363-fca1fec0d15a" targetNamespace="http://schemas.microsoft.com/office/2006/metadata/properties" ma:root="true" ma:fieldsID="0d6b128c5ce9545d0d2912f9a975af95" ns1:_="" ns2:_="" ns3:_="">
     <xsd:import namespace="http://schemas.microsoft.com/sharepoint/v3"/>
@@ -9731,15 +10033,6 @@
 </ct:contentTypeSchema>
 </file>
 
-<file path=customXml/item2.xml><?xml version="1.0" encoding="utf-8"?>
-<p:properties xmlns:p="http://schemas.microsoft.com/office/2006/metadata/properties" xmlns:xsi="http://www.w3.org/2001/XMLSchema-instance" xmlns:pc="http://schemas.microsoft.com/office/infopath/2007/PartnerControls">
-  <documentManagement>
-    <PublishingExpirationDate xmlns="http://schemas.microsoft.com/sharepoint/v3" xsi:nil="true"/>
-    <PublishingStartDate xmlns="http://schemas.microsoft.com/sharepoint/v3" xsi:nil="true"/>
-  </documentManagement>
-</p:properties>
-</file>
-
 <file path=customXml/item3.xml><?xml version="1.0" encoding="utf-8"?>
 <?mso-contentType ?>
 <FormTemplates xmlns="http://schemas.microsoft.com/sharepoint/v3/contenttype/forms">
@@ -9750,6 +10043,16 @@
 </file>
 
 <file path=customXml/itemProps1.xml><?xml version="1.0" encoding="utf-8"?>
+<ds:datastoreItem xmlns:ds="http://schemas.openxmlformats.org/officeDocument/2006/customXml" ds:itemID="{BEF3FD83-2601-46A9-AA9B-655B326F1C5E}">
+  <ds:schemaRefs>
+    <ds:schemaRef ds:uri="http://schemas.microsoft.com/office/2006/metadata/properties"/>
+    <ds:schemaRef ds:uri="http://schemas.microsoft.com/office/infopath/2007/PartnerControls"/>
+    <ds:schemaRef ds:uri="http://schemas.microsoft.com/sharepoint/v3"/>
+  </ds:schemaRefs>
+</ds:datastoreItem>
+</file>
+
+<file path=customXml/itemProps2.xml><?xml version="1.0" encoding="utf-8"?>
 <ds:datastoreItem xmlns:ds="http://schemas.openxmlformats.org/officeDocument/2006/customXml" ds:itemID="{AB30B8D0-9C02-4061-951A-8B7B3A86F5B0}">
   <ds:schemaRefs>
     <ds:schemaRef ds:uri="http://schemas.microsoft.com/office/2006/metadata/contentType"/>
@@ -9769,16 +10072,6 @@
 </ds:datastoreItem>
 </file>
 
-<file path=customXml/itemProps2.xml><?xml version="1.0" encoding="utf-8"?>
-<ds:datastoreItem xmlns:ds="http://schemas.openxmlformats.org/officeDocument/2006/customXml" ds:itemID="{BEF3FD83-2601-46A9-AA9B-655B326F1C5E}">
-  <ds:schemaRefs>
-    <ds:schemaRef ds:uri="http://schemas.microsoft.com/office/2006/metadata/properties"/>
-    <ds:schemaRef ds:uri="http://schemas.microsoft.com/office/infopath/2007/PartnerControls"/>
-    <ds:schemaRef ds:uri="http://schemas.microsoft.com/sharepoint/v3"/>
-  </ds:schemaRefs>
-</ds:datastoreItem>
-</file>
-
 <file path=customXml/itemProps3.xml><?xml version="1.0" encoding="utf-8"?>
 <ds:datastoreItem xmlns:ds="http://schemas.openxmlformats.org/officeDocument/2006/customXml" ds:itemID="{98DACE87-CD74-4C35-ADF8-12B4276F2F66}">
   <ds:schemaRefs>
